--- a/cm010_slides.pptx
+++ b/cm010_slides.pptx
@@ -5,14 +5,15 @@
     <p:sldMasterId id="2147483660" r:id="rId1"/>
   </p:sldMasterIdLst>
   <p:notesMasterIdLst>
-    <p:notesMasterId r:id="rId7"/>
+    <p:notesMasterId r:id="rId8"/>
   </p:notesMasterIdLst>
   <p:sldIdLst>
     <p:sldId id="256" r:id="rId2"/>
-    <p:sldId id="257" r:id="rId3"/>
-    <p:sldId id="258" r:id="rId4"/>
-    <p:sldId id="259" r:id="rId5"/>
-    <p:sldId id="260" r:id="rId6"/>
+    <p:sldId id="261" r:id="rId3"/>
+    <p:sldId id="257" r:id="rId4"/>
+    <p:sldId id="258" r:id="rId5"/>
+    <p:sldId id="259" r:id="rId6"/>
+    <p:sldId id="260" r:id="rId7"/>
   </p:sldIdLst>
   <p:sldSz cx="9144000" cy="6858000" type="screen4x3"/>
   <p:notesSz cx="6858000" cy="9144000"/>
@@ -201,7 +202,7 @@
           <a:p>
             <a:fld id="{9F35BF92-CE37-7748-A59E-1E9DAAED3F50}" type="datetimeFigureOut">
               <a:rPr lang="en-US" smtClean="0"/>
-              <a:t>9/29/18</a:t>
+              <a:t>9/30/18</a:t>
             </a:fld>
             <a:endParaRPr lang="en-US"/>
           </a:p>
@@ -618,7 +619,7 @@
           <a:p>
             <a:fld id="{CF9E4B1E-A5B2-8C4B-9FE0-BA3D64DFF366}" type="slidenum">
               <a:rPr lang="en-US" smtClean="0"/>
-              <a:t>2</a:t>
+              <a:t>3</a:t>
             </a:fld>
             <a:endParaRPr lang="en-US"/>
           </a:p>
@@ -702,7 +703,7 @@
           <a:p>
             <a:fld id="{CF9E4B1E-A5B2-8C4B-9FE0-BA3D64DFF366}" type="slidenum">
               <a:rPr lang="en-US" smtClean="0"/>
-              <a:t>3</a:t>
+              <a:t>4</a:t>
             </a:fld>
             <a:endParaRPr lang="en-US"/>
           </a:p>
@@ -786,7 +787,7 @@
           <a:p>
             <a:fld id="{CF9E4B1E-A5B2-8C4B-9FE0-BA3D64DFF366}" type="slidenum">
               <a:rPr lang="en-US" smtClean="0"/>
-              <a:t>4</a:t>
+              <a:t>5</a:t>
             </a:fld>
             <a:endParaRPr lang="en-US"/>
           </a:p>
@@ -870,7 +871,7 @@
           <a:p>
             <a:fld id="{CF9E4B1E-A5B2-8C4B-9FE0-BA3D64DFF366}" type="slidenum">
               <a:rPr lang="en-US" smtClean="0"/>
-              <a:t>5</a:t>
+              <a:t>6</a:t>
             </a:fld>
             <a:endParaRPr lang="en-US"/>
           </a:p>
@@ -1020,7 +1021,7 @@
           <a:p>
             <a:fld id="{B0469447-DA38-DD4C-A92E-82C14A48BF40}" type="datetimeFigureOut">
               <a:rPr lang="en-US" smtClean="0"/>
-              <a:t>9/29/18</a:t>
+              <a:t>9/30/18</a:t>
             </a:fld>
             <a:endParaRPr lang="en-US"/>
           </a:p>
@@ -1190,7 +1191,7 @@
           <a:p>
             <a:fld id="{B0469447-DA38-DD4C-A92E-82C14A48BF40}" type="datetimeFigureOut">
               <a:rPr lang="en-US" smtClean="0"/>
-              <a:t>9/29/18</a:t>
+              <a:t>9/30/18</a:t>
             </a:fld>
             <a:endParaRPr lang="en-US"/>
           </a:p>
@@ -1370,7 +1371,7 @@
           <a:p>
             <a:fld id="{B0469447-DA38-DD4C-A92E-82C14A48BF40}" type="datetimeFigureOut">
               <a:rPr lang="en-US" smtClean="0"/>
-              <a:t>9/29/18</a:t>
+              <a:t>9/30/18</a:t>
             </a:fld>
             <a:endParaRPr lang="en-US"/>
           </a:p>
@@ -1540,7 +1541,7 @@
           <a:p>
             <a:fld id="{B0469447-DA38-DD4C-A92E-82C14A48BF40}" type="datetimeFigureOut">
               <a:rPr lang="en-US" smtClean="0"/>
-              <a:t>9/29/18</a:t>
+              <a:t>9/30/18</a:t>
             </a:fld>
             <a:endParaRPr lang="en-US"/>
           </a:p>
@@ -1784,7 +1785,7 @@
           <a:p>
             <a:fld id="{B0469447-DA38-DD4C-A92E-82C14A48BF40}" type="datetimeFigureOut">
               <a:rPr lang="en-US" smtClean="0"/>
-              <a:t>9/29/18</a:t>
+              <a:t>9/30/18</a:t>
             </a:fld>
             <a:endParaRPr lang="en-US"/>
           </a:p>
@@ -2016,7 +2017,7 @@
           <a:p>
             <a:fld id="{B0469447-DA38-DD4C-A92E-82C14A48BF40}" type="datetimeFigureOut">
               <a:rPr lang="en-US" smtClean="0"/>
-              <a:t>9/29/18</a:t>
+              <a:t>9/30/18</a:t>
             </a:fld>
             <a:endParaRPr lang="en-US"/>
           </a:p>
@@ -2383,7 +2384,7 @@
           <a:p>
             <a:fld id="{B0469447-DA38-DD4C-A92E-82C14A48BF40}" type="datetimeFigureOut">
               <a:rPr lang="en-US" smtClean="0"/>
-              <a:t>9/29/18</a:t>
+              <a:t>9/30/18</a:t>
             </a:fld>
             <a:endParaRPr lang="en-US"/>
           </a:p>
@@ -2501,7 +2502,7 @@
           <a:p>
             <a:fld id="{B0469447-DA38-DD4C-A92E-82C14A48BF40}" type="datetimeFigureOut">
               <a:rPr lang="en-US" smtClean="0"/>
-              <a:t>9/29/18</a:t>
+              <a:t>9/30/18</a:t>
             </a:fld>
             <a:endParaRPr lang="en-US"/>
           </a:p>
@@ -2596,7 +2597,7 @@
           <a:p>
             <a:fld id="{B0469447-DA38-DD4C-A92E-82C14A48BF40}" type="datetimeFigureOut">
               <a:rPr lang="en-US" smtClean="0"/>
-              <a:t>9/29/18</a:t>
+              <a:t>9/30/18</a:t>
             </a:fld>
             <a:endParaRPr lang="en-US"/>
           </a:p>
@@ -2873,7 +2874,7 @@
           <a:p>
             <a:fld id="{B0469447-DA38-DD4C-A92E-82C14A48BF40}" type="datetimeFigureOut">
               <a:rPr lang="en-US" smtClean="0"/>
-              <a:t>9/29/18</a:t>
+              <a:t>9/30/18</a:t>
             </a:fld>
             <a:endParaRPr lang="en-US"/>
           </a:p>
@@ -3130,7 +3131,7 @@
           <a:p>
             <a:fld id="{B0469447-DA38-DD4C-A92E-82C14A48BF40}" type="datetimeFigureOut">
               <a:rPr lang="en-US" smtClean="0"/>
-              <a:t>9/29/18</a:t>
+              <a:t>9/30/18</a:t>
             </a:fld>
             <a:endParaRPr lang="en-US"/>
           </a:p>
@@ -3343,7 +3344,7 @@
           <a:p>
             <a:fld id="{B0469447-DA38-DD4C-A92E-82C14A48BF40}" type="datetimeFigureOut">
               <a:rPr lang="en-US" smtClean="0"/>
-              <a:t>9/29/18</a:t>
+              <a:t>9/30/18</a:t>
             </a:fld>
             <a:endParaRPr lang="en-US"/>
           </a:p>
@@ -3785,11 +3786,7 @@
             </a:pPr>
             <a:r>
               <a:rPr lang="en-US" sz="2800" dirty="0" smtClean="0"/>
-              <a:t>PhD </a:t>
-            </a:r>
-            <a:r>
-              <a:rPr lang="en-US" sz="2800" dirty="0" smtClean="0"/>
-              <a:t>Candidate in Bioinformatics, </a:t>
+              <a:t>PhD Candidate in Bioinformatics, </a:t>
             </a:r>
             <a:r>
               <a:rPr lang="en-US" sz="2800" dirty="0"/>
@@ -3808,11 +3805,7 @@
             </a:pPr>
             <a:r>
               <a:rPr lang="en-US" sz="2200" dirty="0" smtClean="0"/>
-              <a:t>PhD thesis: Epigenetic </a:t>
-            </a:r>
-            <a:r>
-              <a:rPr lang="en-US" sz="2200" dirty="0" smtClean="0"/>
-              <a:t>dysregulation of human lymphoid </a:t>
+              <a:t>PhD thesis: Epigenetic dysregulation of human lymphoid </a:t>
             </a:r>
             <a:r>
               <a:rPr lang="en-US" sz="2200" dirty="0" err="1" smtClean="0"/>
@@ -3872,6 +3865,519 @@
 </file>
 
 <file path=ppt/slides/slide2.xml><?xml version="1.0" encoding="utf-8"?>
+<p:sld xmlns:a="http://schemas.openxmlformats.org/drawingml/2006/main" xmlns:r="http://schemas.openxmlformats.org/officeDocument/2006/relationships" xmlns:p="http://schemas.openxmlformats.org/presentationml/2006/main">
+  <p:cSld>
+    <p:spTree>
+      <p:nvGrpSpPr>
+        <p:cNvPr id="1" name=""/>
+        <p:cNvGrpSpPr/>
+        <p:nvPr/>
+      </p:nvGrpSpPr>
+      <p:grpSpPr>
+        <a:xfrm>
+          <a:off x="0" y="0"/>
+          <a:ext cx="0" cy="0"/>
+          <a:chOff x="0" y="0"/>
+          <a:chExt cx="0" cy="0"/>
+        </a:xfrm>
+      </p:grpSpPr>
+      <p:sp>
+        <p:nvSpPr>
+          <p:cNvPr id="2" name="Title 1"/>
+          <p:cNvSpPr>
+            <a:spLocks noGrp="1"/>
+          </p:cNvSpPr>
+          <p:nvPr>
+            <p:ph type="title"/>
+          </p:nvPr>
+        </p:nvSpPr>
+        <p:spPr>
+          <a:xfrm>
+            <a:off x="628650" y="114406"/>
+            <a:ext cx="7886700" cy="1325563"/>
+          </a:xfrm>
+        </p:spPr>
+        <p:txBody>
+          <a:bodyPr/>
+          <a:lstStyle/>
+          <a:p>
+            <a:pPr algn="ctr"/>
+            <a:r>
+              <a:rPr lang="en-US" dirty="0" smtClean="0"/>
+              <a:t>Data analytics</a:t>
+            </a:r>
+            <a:endParaRPr lang="en-US" dirty="0"/>
+          </a:p>
+        </p:txBody>
+      </p:sp>
+      <p:sp>
+        <p:nvSpPr>
+          <p:cNvPr id="4" name="Oval 3"/>
+          <p:cNvSpPr/>
+          <p:nvPr/>
+        </p:nvSpPr>
+        <p:spPr>
+          <a:xfrm>
+            <a:off x="2765321" y="1283111"/>
+            <a:ext cx="3871453" cy="3864076"/>
+          </a:xfrm>
+          <a:prstGeom prst="ellipse">
+            <a:avLst/>
+          </a:prstGeom>
+          <a:solidFill>
+            <a:schemeClr val="bg1"/>
+          </a:solidFill>
+          <a:ln w="38100">
+            <a:solidFill>
+              <a:schemeClr val="bg2">
+                <a:lumMod val="50000"/>
+              </a:schemeClr>
+            </a:solidFill>
+            <a:prstDash val="sysDash"/>
+          </a:ln>
+        </p:spPr>
+        <p:style>
+          <a:lnRef idx="2">
+            <a:schemeClr val="accent1">
+              <a:shade val="50000"/>
+            </a:schemeClr>
+          </a:lnRef>
+          <a:fillRef idx="1">
+            <a:schemeClr val="accent1"/>
+          </a:fillRef>
+          <a:effectRef idx="0">
+            <a:schemeClr val="accent1"/>
+          </a:effectRef>
+          <a:fontRef idx="minor">
+            <a:schemeClr val="lt1"/>
+          </a:fontRef>
+        </p:style>
+        <p:txBody>
+          <a:bodyPr rtlCol="0" anchor="ctr"/>
+          <a:lstStyle/>
+          <a:p>
+            <a:pPr algn="ctr"/>
+            <a:endParaRPr lang="en-US"/>
+          </a:p>
+        </p:txBody>
+      </p:sp>
+      <p:sp>
+        <p:nvSpPr>
+          <p:cNvPr id="5" name="Rounded Rectangle 4"/>
+          <p:cNvSpPr/>
+          <p:nvPr/>
+        </p:nvSpPr>
+        <p:spPr>
+          <a:xfrm>
+            <a:off x="3259395" y="2123769"/>
+            <a:ext cx="1578077" cy="484905"/>
+          </a:xfrm>
+          <a:prstGeom prst="roundRect">
+            <a:avLst/>
+          </a:prstGeom>
+          <a:solidFill>
+            <a:srgbClr val="E30047"/>
+          </a:solidFill>
+          <a:ln>
+            <a:noFill/>
+          </a:ln>
+        </p:spPr>
+        <p:style>
+          <a:lnRef idx="2">
+            <a:schemeClr val="accent1">
+              <a:shade val="50000"/>
+            </a:schemeClr>
+          </a:lnRef>
+          <a:fillRef idx="1">
+            <a:schemeClr val="accent1"/>
+          </a:fillRef>
+          <a:effectRef idx="0">
+            <a:schemeClr val="accent1"/>
+          </a:effectRef>
+          <a:fontRef idx="minor">
+            <a:schemeClr val="lt1"/>
+          </a:fontRef>
+        </p:style>
+        <p:txBody>
+          <a:bodyPr rtlCol="0" anchor="ctr"/>
+          <a:lstStyle/>
+          <a:p>
+            <a:pPr algn="ctr"/>
+            <a:r>
+              <a:rPr lang="en-US" sz="2800" dirty="0" smtClean="0"/>
+              <a:t>Question</a:t>
+            </a:r>
+            <a:endParaRPr lang="en-US" sz="2800" dirty="0"/>
+          </a:p>
+        </p:txBody>
+      </p:sp>
+      <p:sp>
+        <p:nvSpPr>
+          <p:cNvPr id="6" name="Rounded Rectangle 5"/>
+          <p:cNvSpPr/>
+          <p:nvPr/>
+        </p:nvSpPr>
+        <p:spPr>
+          <a:xfrm>
+            <a:off x="3912008" y="2987444"/>
+            <a:ext cx="1578077" cy="484905"/>
+          </a:xfrm>
+          <a:prstGeom prst="roundRect">
+            <a:avLst/>
+          </a:prstGeom>
+          <a:solidFill>
+            <a:srgbClr val="7030A0"/>
+          </a:solidFill>
+          <a:ln>
+            <a:noFill/>
+          </a:ln>
+        </p:spPr>
+        <p:style>
+          <a:lnRef idx="2">
+            <a:schemeClr val="accent1">
+              <a:shade val="50000"/>
+            </a:schemeClr>
+          </a:lnRef>
+          <a:fillRef idx="1">
+            <a:schemeClr val="accent1"/>
+          </a:fillRef>
+          <a:effectRef idx="0">
+            <a:schemeClr val="accent1"/>
+          </a:effectRef>
+          <a:fontRef idx="minor">
+            <a:schemeClr val="lt1"/>
+          </a:fontRef>
+        </p:style>
+        <p:txBody>
+          <a:bodyPr rtlCol="0" anchor="ctr"/>
+          <a:lstStyle/>
+          <a:p>
+            <a:pPr algn="ctr"/>
+            <a:r>
+              <a:rPr lang="en-US" sz="2800" dirty="0" smtClean="0"/>
+              <a:t>Answer</a:t>
+            </a:r>
+            <a:endParaRPr lang="en-US" sz="2800" dirty="0"/>
+          </a:p>
+        </p:txBody>
+      </p:sp>
+      <p:sp>
+        <p:nvSpPr>
+          <p:cNvPr id="7" name="Rounded Rectangle 6"/>
+          <p:cNvSpPr/>
+          <p:nvPr/>
+        </p:nvSpPr>
+        <p:spPr>
+          <a:xfrm>
+            <a:off x="4433118" y="3898948"/>
+            <a:ext cx="1578077" cy="484905"/>
+          </a:xfrm>
+          <a:prstGeom prst="roundRect">
+            <a:avLst/>
+          </a:prstGeom>
+          <a:solidFill>
+            <a:srgbClr val="00B050"/>
+          </a:solidFill>
+          <a:ln>
+            <a:noFill/>
+          </a:ln>
+        </p:spPr>
+        <p:style>
+          <a:lnRef idx="2">
+            <a:schemeClr val="accent1">
+              <a:shade val="50000"/>
+            </a:schemeClr>
+          </a:lnRef>
+          <a:fillRef idx="1">
+            <a:schemeClr val="accent1"/>
+          </a:fillRef>
+          <a:effectRef idx="0">
+            <a:schemeClr val="accent1"/>
+          </a:effectRef>
+          <a:fontRef idx="minor">
+            <a:schemeClr val="lt1"/>
+          </a:fontRef>
+        </p:style>
+        <p:txBody>
+          <a:bodyPr rtlCol="0" anchor="ctr"/>
+          <a:lstStyle/>
+          <a:p>
+            <a:pPr algn="ctr"/>
+            <a:r>
+              <a:rPr lang="en-US" sz="2800" dirty="0" smtClean="0"/>
+              <a:t>Insight</a:t>
+            </a:r>
+            <a:endParaRPr lang="en-US" sz="2800" dirty="0"/>
+          </a:p>
+        </p:txBody>
+      </p:sp>
+      <p:sp>
+        <p:nvSpPr>
+          <p:cNvPr id="8" name="Bent Arrow 7"/>
+          <p:cNvSpPr/>
+          <p:nvPr/>
+        </p:nvSpPr>
+        <p:spPr>
+          <a:xfrm rot="5400000">
+            <a:off x="4816801" y="2306673"/>
+            <a:ext cx="580374" cy="539031"/>
+          </a:xfrm>
+          <a:prstGeom prst="bentArrow">
+            <a:avLst/>
+          </a:prstGeom>
+          <a:solidFill>
+            <a:schemeClr val="bg2">
+              <a:lumMod val="50000"/>
+            </a:schemeClr>
+          </a:solidFill>
+          <a:ln>
+            <a:solidFill>
+              <a:schemeClr val="bg2">
+                <a:lumMod val="50000"/>
+              </a:schemeClr>
+            </a:solidFill>
+          </a:ln>
+        </p:spPr>
+        <p:style>
+          <a:lnRef idx="2">
+            <a:schemeClr val="accent1">
+              <a:shade val="50000"/>
+            </a:schemeClr>
+          </a:lnRef>
+          <a:fillRef idx="1">
+            <a:schemeClr val="accent1"/>
+          </a:fillRef>
+          <a:effectRef idx="0">
+            <a:schemeClr val="accent1"/>
+          </a:effectRef>
+          <a:fontRef idx="minor">
+            <a:schemeClr val="lt1"/>
+          </a:fontRef>
+        </p:style>
+        <p:txBody>
+          <a:bodyPr rtlCol="0" anchor="ctr"/>
+          <a:lstStyle/>
+          <a:p>
+            <a:pPr algn="ctr"/>
+            <a:endParaRPr lang="en-US">
+              <a:solidFill>
+                <a:schemeClr val="tx1"/>
+              </a:solidFill>
+            </a:endParaRPr>
+          </a:p>
+        </p:txBody>
+      </p:sp>
+      <p:sp>
+        <p:nvSpPr>
+          <p:cNvPr id="9" name="Bent Arrow 8"/>
+          <p:cNvSpPr/>
+          <p:nvPr/>
+        </p:nvSpPr>
+        <p:spPr>
+          <a:xfrm rot="5400000">
+            <a:off x="5470645" y="3181743"/>
+            <a:ext cx="580374" cy="539031"/>
+          </a:xfrm>
+          <a:prstGeom prst="bentArrow">
+            <a:avLst/>
+          </a:prstGeom>
+          <a:solidFill>
+            <a:schemeClr val="bg2">
+              <a:lumMod val="50000"/>
+            </a:schemeClr>
+          </a:solidFill>
+          <a:ln>
+            <a:solidFill>
+              <a:schemeClr val="bg2">
+                <a:lumMod val="50000"/>
+              </a:schemeClr>
+            </a:solidFill>
+          </a:ln>
+        </p:spPr>
+        <p:style>
+          <a:lnRef idx="2">
+            <a:schemeClr val="accent1">
+              <a:shade val="50000"/>
+            </a:schemeClr>
+          </a:lnRef>
+          <a:fillRef idx="1">
+            <a:schemeClr val="accent1"/>
+          </a:fillRef>
+          <a:effectRef idx="0">
+            <a:schemeClr val="accent1"/>
+          </a:effectRef>
+          <a:fontRef idx="minor">
+            <a:schemeClr val="lt1"/>
+          </a:fontRef>
+        </p:style>
+        <p:txBody>
+          <a:bodyPr rtlCol="0" anchor="ctr"/>
+          <a:lstStyle/>
+          <a:p>
+            <a:pPr algn="ctr"/>
+            <a:endParaRPr lang="en-US">
+              <a:solidFill>
+                <a:schemeClr val="tx1"/>
+              </a:solidFill>
+            </a:endParaRPr>
+          </a:p>
+        </p:txBody>
+      </p:sp>
+      <p:sp>
+        <p:nvSpPr>
+          <p:cNvPr id="10" name="TextBox 9"/>
+          <p:cNvSpPr txBox="1"/>
+          <p:nvPr/>
+        </p:nvSpPr>
+        <p:spPr>
+          <a:xfrm>
+            <a:off x="3050362" y="3616320"/>
+            <a:ext cx="961482" cy="584775"/>
+          </a:xfrm>
+          <a:prstGeom prst="rect">
+            <a:avLst/>
+          </a:prstGeom>
+          <a:noFill/>
+        </p:spPr>
+        <p:txBody>
+          <a:bodyPr wrap="none" rtlCol="0">
+            <a:spAutoFit/>
+          </a:bodyPr>
+          <a:lstStyle/>
+          <a:p>
+            <a:r>
+              <a:rPr lang="en-US" sz="3200" dirty="0" smtClean="0"/>
+              <a:t>Data</a:t>
+            </a:r>
+            <a:endParaRPr lang="en-US" sz="3200" dirty="0"/>
+          </a:p>
+        </p:txBody>
+      </p:sp>
+      <p:sp>
+        <p:nvSpPr>
+          <p:cNvPr id="11" name="Rectangle 10"/>
+          <p:cNvSpPr/>
+          <p:nvPr/>
+        </p:nvSpPr>
+        <p:spPr>
+          <a:xfrm>
+            <a:off x="953866" y="5373004"/>
+            <a:ext cx="7494359" cy="954107"/>
+          </a:xfrm>
+          <a:prstGeom prst="rect">
+            <a:avLst/>
+          </a:prstGeom>
+        </p:spPr>
+        <p:txBody>
+          <a:bodyPr wrap="none">
+            <a:spAutoFit/>
+          </a:bodyPr>
+          <a:lstStyle/>
+          <a:p>
+            <a:r>
+              <a:rPr lang="en-US" sz="2800" dirty="0" smtClean="0">
+                <a:solidFill>
+                  <a:srgbClr val="353535"/>
+                </a:solidFill>
+                <a:latin typeface="Times New Roman" charset="0"/>
+                <a:ea typeface="Times New Roman" charset="0"/>
+                <a:cs typeface="Times New Roman" charset="0"/>
+              </a:rPr>
+              <a:t>- data analysis </a:t>
+            </a:r>
+            <a:r>
+              <a:rPr lang="en-US" sz="2800" dirty="0">
+                <a:solidFill>
+                  <a:srgbClr val="353535"/>
+                </a:solidFill>
+                <a:latin typeface="Times New Roman" charset="0"/>
+                <a:ea typeface="Times New Roman" charset="0"/>
+                <a:cs typeface="Times New Roman" charset="0"/>
+              </a:rPr>
+              <a:t>is taking action and finding </a:t>
+            </a:r>
+            <a:r>
+              <a:rPr lang="en-US" sz="2800" dirty="0" smtClean="0">
+                <a:solidFill>
+                  <a:srgbClr val="353535"/>
+                </a:solidFill>
+                <a:latin typeface="Times New Roman" charset="0"/>
+                <a:ea typeface="Times New Roman" charset="0"/>
+                <a:cs typeface="Times New Roman" charset="0"/>
+              </a:rPr>
+              <a:t>answers</a:t>
+            </a:r>
+          </a:p>
+          <a:p>
+            <a:r>
+              <a:rPr lang="en-US" sz="2800" dirty="0" smtClean="0">
+                <a:latin typeface="Times New Roman" charset="0"/>
+                <a:ea typeface="Times New Roman" charset="0"/>
+                <a:cs typeface="Times New Roman" charset="0"/>
+              </a:rPr>
+              <a:t>- opinions Vs. </a:t>
+            </a:r>
+            <a:r>
+              <a:rPr lang="en-US" sz="2800" dirty="0">
+                <a:latin typeface="Times New Roman" charset="0"/>
+                <a:ea typeface="Times New Roman" charset="0"/>
+                <a:cs typeface="Times New Roman" charset="0"/>
+              </a:rPr>
+              <a:t>data </a:t>
+            </a:r>
+            <a:r>
+              <a:rPr lang="en-US" sz="2800" dirty="0" smtClean="0">
+                <a:latin typeface="Times New Roman" charset="0"/>
+                <a:ea typeface="Times New Roman" charset="0"/>
+                <a:cs typeface="Times New Roman" charset="0"/>
+              </a:rPr>
+              <a:t>-&gt; </a:t>
+            </a:r>
+            <a:r>
+              <a:rPr lang="en-US" sz="2800" dirty="0">
+                <a:latin typeface="Times New Roman" charset="0"/>
+                <a:ea typeface="Times New Roman" charset="0"/>
+                <a:cs typeface="Times New Roman" charset="0"/>
+              </a:rPr>
+              <a:t>data </a:t>
+            </a:r>
+            <a:r>
+              <a:rPr lang="en-US" sz="2800" dirty="0" smtClean="0">
+                <a:latin typeface="Times New Roman" charset="0"/>
+                <a:ea typeface="Times New Roman" charset="0"/>
+                <a:cs typeface="Times New Roman" charset="0"/>
+              </a:rPr>
+              <a:t>wins</a:t>
+            </a:r>
+            <a:endParaRPr lang="en-US" sz="2800" dirty="0">
+              <a:latin typeface="Times New Roman" charset="0"/>
+              <a:ea typeface="Times New Roman" charset="0"/>
+              <a:cs typeface="Times New Roman" charset="0"/>
+            </a:endParaRPr>
+          </a:p>
+        </p:txBody>
+      </p:sp>
+    </p:spTree>
+    <p:extLst>
+      <p:ext uri="{BB962C8B-B14F-4D97-AF65-F5344CB8AC3E}">
+        <p14:creationId xmlns:p14="http://schemas.microsoft.com/office/powerpoint/2010/main" val="415477832"/>
+      </p:ext>
+    </p:extLst>
+  </p:cSld>
+  <p:clrMapOvr>
+    <a:masterClrMapping/>
+  </p:clrMapOvr>
+  <p:timing>
+    <p:tnLst>
+      <p:par>
+        <p:cTn id="1" dur="indefinite" restart="never" nodeType="tmRoot"/>
+      </p:par>
+    </p:tnLst>
+  </p:timing>
+</p:sld>
+</file>
+
+<file path=ppt/slides/slide3.xml><?xml version="1.0" encoding="utf-8"?>
 <p:sld xmlns:a="http://schemas.openxmlformats.org/drawingml/2006/main" xmlns:r="http://schemas.openxmlformats.org/officeDocument/2006/relationships" xmlns:p="http://schemas.openxmlformats.org/presentationml/2006/main">
   <p:cSld>
     <p:spTree>
@@ -4014,7 +4520,7 @@
 </p:sld>
 </file>
 
-<file path=ppt/slides/slide3.xml><?xml version="1.0" encoding="utf-8"?>
+<file path=ppt/slides/slide4.xml><?xml version="1.0" encoding="utf-8"?>
 <p:sld xmlns:a="http://schemas.openxmlformats.org/drawingml/2006/main" xmlns:r="http://schemas.openxmlformats.org/officeDocument/2006/relationships" xmlns:p="http://schemas.openxmlformats.org/presentationml/2006/main">
   <p:cSld>
     <p:spTree>
@@ -4201,7 +4707,7 @@
 </p:sld>
 </file>
 
-<file path=ppt/slides/slide4.xml><?xml version="1.0" encoding="utf-8"?>
+<file path=ppt/slides/slide5.xml><?xml version="1.0" encoding="utf-8"?>
 <p:sld xmlns:a="http://schemas.openxmlformats.org/drawingml/2006/main" xmlns:r="http://schemas.openxmlformats.org/officeDocument/2006/relationships" xmlns:p="http://schemas.openxmlformats.org/presentationml/2006/main">
   <p:cSld>
     <p:spTree>
@@ -4344,7 +4850,7 @@
 </p:sld>
 </file>
 
-<file path=ppt/slides/slide5.xml><?xml version="1.0" encoding="utf-8"?>
+<file path=ppt/slides/slide6.xml><?xml version="1.0" encoding="utf-8"?>
 <p:sld xmlns:a="http://schemas.openxmlformats.org/drawingml/2006/main" xmlns:r="http://schemas.openxmlformats.org/officeDocument/2006/relationships" xmlns:p="http://schemas.openxmlformats.org/presentationml/2006/main">
   <p:cSld>
     <p:spTree>

--- a/cm010_slides.pptx
+++ b/cm010_slides.pptx
@@ -202,7 +202,7 @@
           <a:p>
             <a:fld id="{9F35BF92-CE37-7748-A59E-1E9DAAED3F50}" type="datetimeFigureOut">
               <a:rPr lang="en-US" smtClean="0"/>
-              <a:t>9/30/18</a:t>
+              <a:t>10/1/18</a:t>
             </a:fld>
             <a:endParaRPr lang="en-US"/>
           </a:p>
@@ -1021,7 +1021,7 @@
           <a:p>
             <a:fld id="{B0469447-DA38-DD4C-A92E-82C14A48BF40}" type="datetimeFigureOut">
               <a:rPr lang="en-US" smtClean="0"/>
-              <a:t>9/30/18</a:t>
+              <a:t>10/1/18</a:t>
             </a:fld>
             <a:endParaRPr lang="en-US"/>
           </a:p>
@@ -1191,7 +1191,7 @@
           <a:p>
             <a:fld id="{B0469447-DA38-DD4C-A92E-82C14A48BF40}" type="datetimeFigureOut">
               <a:rPr lang="en-US" smtClean="0"/>
-              <a:t>9/30/18</a:t>
+              <a:t>10/1/18</a:t>
             </a:fld>
             <a:endParaRPr lang="en-US"/>
           </a:p>
@@ -1371,7 +1371,7 @@
           <a:p>
             <a:fld id="{B0469447-DA38-DD4C-A92E-82C14A48BF40}" type="datetimeFigureOut">
               <a:rPr lang="en-US" smtClean="0"/>
-              <a:t>9/30/18</a:t>
+              <a:t>10/1/18</a:t>
             </a:fld>
             <a:endParaRPr lang="en-US"/>
           </a:p>
@@ -1541,7 +1541,7 @@
           <a:p>
             <a:fld id="{B0469447-DA38-DD4C-A92E-82C14A48BF40}" type="datetimeFigureOut">
               <a:rPr lang="en-US" smtClean="0"/>
-              <a:t>9/30/18</a:t>
+              <a:t>10/1/18</a:t>
             </a:fld>
             <a:endParaRPr lang="en-US"/>
           </a:p>
@@ -1785,7 +1785,7 @@
           <a:p>
             <a:fld id="{B0469447-DA38-DD4C-A92E-82C14A48BF40}" type="datetimeFigureOut">
               <a:rPr lang="en-US" smtClean="0"/>
-              <a:t>9/30/18</a:t>
+              <a:t>10/1/18</a:t>
             </a:fld>
             <a:endParaRPr lang="en-US"/>
           </a:p>
@@ -2017,7 +2017,7 @@
           <a:p>
             <a:fld id="{B0469447-DA38-DD4C-A92E-82C14A48BF40}" type="datetimeFigureOut">
               <a:rPr lang="en-US" smtClean="0"/>
-              <a:t>9/30/18</a:t>
+              <a:t>10/1/18</a:t>
             </a:fld>
             <a:endParaRPr lang="en-US"/>
           </a:p>
@@ -2384,7 +2384,7 @@
           <a:p>
             <a:fld id="{B0469447-DA38-DD4C-A92E-82C14A48BF40}" type="datetimeFigureOut">
               <a:rPr lang="en-US" smtClean="0"/>
-              <a:t>9/30/18</a:t>
+              <a:t>10/1/18</a:t>
             </a:fld>
             <a:endParaRPr lang="en-US"/>
           </a:p>
@@ -2502,7 +2502,7 @@
           <a:p>
             <a:fld id="{B0469447-DA38-DD4C-A92E-82C14A48BF40}" type="datetimeFigureOut">
               <a:rPr lang="en-US" smtClean="0"/>
-              <a:t>9/30/18</a:t>
+              <a:t>10/1/18</a:t>
             </a:fld>
             <a:endParaRPr lang="en-US"/>
           </a:p>
@@ -2597,7 +2597,7 @@
           <a:p>
             <a:fld id="{B0469447-DA38-DD4C-A92E-82C14A48BF40}" type="datetimeFigureOut">
               <a:rPr lang="en-US" smtClean="0"/>
-              <a:t>9/30/18</a:t>
+              <a:t>10/1/18</a:t>
             </a:fld>
             <a:endParaRPr lang="en-US"/>
           </a:p>
@@ -2874,7 +2874,7 @@
           <a:p>
             <a:fld id="{B0469447-DA38-DD4C-A92E-82C14A48BF40}" type="datetimeFigureOut">
               <a:rPr lang="en-US" smtClean="0"/>
-              <a:t>9/30/18</a:t>
+              <a:t>10/1/18</a:t>
             </a:fld>
             <a:endParaRPr lang="en-US"/>
           </a:p>
@@ -3131,7 +3131,7 @@
           <a:p>
             <a:fld id="{B0469447-DA38-DD4C-A92E-82C14A48BF40}" type="datetimeFigureOut">
               <a:rPr lang="en-US" smtClean="0"/>
-              <a:t>9/30/18</a:t>
+              <a:t>10/1/18</a:t>
             </a:fld>
             <a:endParaRPr lang="en-US"/>
           </a:p>
@@ -3344,7 +3344,7 @@
           <a:p>
             <a:fld id="{B0469447-DA38-DD4C-A92E-82C14A48BF40}" type="datetimeFigureOut">
               <a:rPr lang="en-US" smtClean="0"/>
-              <a:t>9/30/18</a:t>
+              <a:t>10/1/18</a:t>
             </a:fld>
             <a:endParaRPr lang="en-US"/>
           </a:p>
@@ -3761,7 +3761,7 @@
         </p:nvSpPr>
         <p:spPr>
           <a:xfrm>
-            <a:off x="783771" y="1123408"/>
+            <a:off x="783771" y="916931"/>
             <a:ext cx="7602583" cy="4976948"/>
           </a:xfrm>
         </p:spPr>
@@ -3773,7 +3773,17 @@
           <a:p>
             <a:r>
               <a:rPr lang="en-US" sz="3500" dirty="0" smtClean="0"/>
-              <a:t>Rashedul Islam</a:t>
+              <a:t>Rashedul </a:t>
+            </a:r>
+            <a:r>
+              <a:rPr lang="en-US" sz="3500" dirty="0" smtClean="0"/>
+              <a:t>Islam</a:t>
+            </a:r>
+          </a:p>
+          <a:p>
+            <a:r>
+              <a:rPr lang="en-US" sz="2800" dirty="0" smtClean="0"/>
+              <a:t>(Guest lecture, stat545)</a:t>
             </a:r>
           </a:p>
           <a:p>
@@ -3841,6 +3851,44 @@
               <a:t>)</a:t>
             </a:r>
             <a:endParaRPr lang="en-US" sz="2800" dirty="0"/>
+          </a:p>
+        </p:txBody>
+      </p:sp>
+      <p:sp>
+        <p:nvSpPr>
+          <p:cNvPr id="2" name="TextBox 1"/>
+          <p:cNvSpPr txBox="1"/>
+          <p:nvPr/>
+        </p:nvSpPr>
+        <p:spPr>
+          <a:xfrm>
+            <a:off x="6297565" y="6164829"/>
+            <a:ext cx="1989584" cy="400110"/>
+          </a:xfrm>
+          <a:prstGeom prst="rect">
+            <a:avLst/>
+          </a:prstGeom>
+          <a:noFill/>
+        </p:spPr>
+        <p:txBody>
+          <a:bodyPr wrap="none" rtlCol="0">
+            <a:spAutoFit/>
+          </a:bodyPr>
+          <a:lstStyle/>
+          <a:p>
+            <a:r>
+              <a:rPr lang="en-US" sz="2000" dirty="0" smtClean="0"/>
+              <a:t>4</a:t>
+            </a:r>
+            <a:r>
+              <a:rPr lang="en-US" sz="2000" baseline="30000" dirty="0" smtClean="0"/>
+              <a:t>th</a:t>
+            </a:r>
+            <a:r>
+              <a:rPr lang="en-US" sz="2000" dirty="0" smtClean="0"/>
+              <a:t> October, 2018</a:t>
+            </a:r>
+            <a:endParaRPr lang="en-US" sz="2000" dirty="0"/>
           </a:p>
         </p:txBody>
       </p:sp>
@@ -4283,7 +4331,18 @@
                 <a:ea typeface="Times New Roman" charset="0"/>
                 <a:cs typeface="Times New Roman" charset="0"/>
               </a:rPr>
-              <a:t>- data analysis </a:t>
+              <a:t>- data </a:t>
+            </a:r>
+            <a:r>
+              <a:rPr lang="en-US" sz="2800" dirty="0" smtClean="0">
+                <a:solidFill>
+                  <a:srgbClr val="353535"/>
+                </a:solidFill>
+                <a:latin typeface="Times New Roman" charset="0"/>
+                <a:ea typeface="Times New Roman" charset="0"/>
+                <a:cs typeface="Times New Roman" charset="0"/>
+              </a:rPr>
+              <a:t>analysis: </a:t>
             </a:r>
             <a:r>
               <a:rPr lang="en-US" sz="2800" dirty="0">
@@ -4294,7 +4353,7 @@
                 <a:ea typeface="Times New Roman" charset="0"/>
                 <a:cs typeface="Times New Roman" charset="0"/>
               </a:rPr>
-              <a:t>is taking action and finding </a:t>
+              <a:t>taking action and finding </a:t>
             </a:r>
             <a:r>
               <a:rPr lang="en-US" sz="2800" dirty="0" smtClean="0">
@@ -4591,7 +4650,7 @@
         </p:nvSpPr>
         <p:spPr>
           <a:xfrm>
-            <a:off x="3505453" y="300446"/>
+            <a:off x="3289589" y="846136"/>
             <a:ext cx="2554610" cy="584775"/>
           </a:xfrm>
           <a:prstGeom prst="rect">
@@ -4621,8 +4680,8 @@
         </p:nvGrpSpPr>
         <p:grpSpPr>
           <a:xfrm>
-            <a:off x="2007260" y="1744274"/>
-            <a:ext cx="5548449" cy="3264006"/>
+            <a:off x="1578078" y="1744274"/>
+            <a:ext cx="5977632" cy="3683132"/>
             <a:chOff x="1819002" y="1045030"/>
             <a:chExt cx="5548449" cy="3264006"/>
           </a:xfrm>

--- a/cm010_slides.pptx
+++ b/cm010_slides.pptx
@@ -5,15 +5,16 @@
     <p:sldMasterId id="2147483660" r:id="rId1"/>
   </p:sldMasterIdLst>
   <p:notesMasterIdLst>
-    <p:notesMasterId r:id="rId8"/>
+    <p:notesMasterId r:id="rId9"/>
   </p:notesMasterIdLst>
   <p:sldIdLst>
     <p:sldId id="256" r:id="rId2"/>
     <p:sldId id="261" r:id="rId3"/>
     <p:sldId id="257" r:id="rId4"/>
-    <p:sldId id="258" r:id="rId5"/>
-    <p:sldId id="259" r:id="rId6"/>
-    <p:sldId id="260" r:id="rId7"/>
+    <p:sldId id="262" r:id="rId5"/>
+    <p:sldId id="258" r:id="rId6"/>
+    <p:sldId id="259" r:id="rId7"/>
+    <p:sldId id="260" r:id="rId8"/>
   </p:sldIdLst>
   <p:sldSz cx="9144000" cy="6858000" type="screen4x3"/>
   <p:notesSz cx="6858000" cy="9144000"/>
@@ -202,7 +203,7 @@
           <a:p>
             <a:fld id="{9F35BF92-CE37-7748-A59E-1E9DAAED3F50}" type="datetimeFigureOut">
               <a:rPr lang="en-US" smtClean="0"/>
-              <a:t>10/1/18</a:t>
+              <a:t>10/3/18</a:t>
             </a:fld>
             <a:endParaRPr lang="en-US"/>
           </a:p>
@@ -712,7 +713,7 @@
     </p:spTree>
     <p:extLst>
       <p:ext uri="{BB962C8B-B14F-4D97-AF65-F5344CB8AC3E}">
-        <p14:creationId xmlns:p14="http://schemas.microsoft.com/office/powerpoint/2010/main" val="2005515726"/>
+        <p14:creationId xmlns:p14="http://schemas.microsoft.com/office/powerpoint/2010/main" val="1407559756"/>
       </p:ext>
     </p:extLst>
   </p:cSld>
@@ -796,7 +797,7 @@
     </p:spTree>
     <p:extLst>
       <p:ext uri="{BB962C8B-B14F-4D97-AF65-F5344CB8AC3E}">
-        <p14:creationId xmlns:p14="http://schemas.microsoft.com/office/powerpoint/2010/main" val="547193231"/>
+        <p14:creationId xmlns:p14="http://schemas.microsoft.com/office/powerpoint/2010/main" val="2005515726"/>
       </p:ext>
     </p:extLst>
   </p:cSld>
@@ -872,6 +873,90 @@
             <a:fld id="{CF9E4B1E-A5B2-8C4B-9FE0-BA3D64DFF366}" type="slidenum">
               <a:rPr lang="en-US" smtClean="0"/>
               <a:t>6</a:t>
+            </a:fld>
+            <a:endParaRPr lang="en-US"/>
+          </a:p>
+        </p:txBody>
+      </p:sp>
+    </p:spTree>
+    <p:extLst>
+      <p:ext uri="{BB962C8B-B14F-4D97-AF65-F5344CB8AC3E}">
+        <p14:creationId xmlns:p14="http://schemas.microsoft.com/office/powerpoint/2010/main" val="547193231"/>
+      </p:ext>
+    </p:extLst>
+  </p:cSld>
+  <p:clrMapOvr>
+    <a:masterClrMapping/>
+  </p:clrMapOvr>
+</p:notes>
+</file>
+
+<file path=ppt/notesSlides/notesSlide6.xml><?xml version="1.0" encoding="utf-8"?>
+<p:notes xmlns:a="http://schemas.openxmlformats.org/drawingml/2006/main" xmlns:r="http://schemas.openxmlformats.org/officeDocument/2006/relationships" xmlns:p="http://schemas.openxmlformats.org/presentationml/2006/main">
+  <p:cSld>
+    <p:spTree>
+      <p:nvGrpSpPr>
+        <p:cNvPr id="1" name=""/>
+        <p:cNvGrpSpPr/>
+        <p:nvPr/>
+      </p:nvGrpSpPr>
+      <p:grpSpPr>
+        <a:xfrm>
+          <a:off x="0" y="0"/>
+          <a:ext cx="0" cy="0"/>
+          <a:chOff x="0" y="0"/>
+          <a:chExt cx="0" cy="0"/>
+        </a:xfrm>
+      </p:grpSpPr>
+      <p:sp>
+        <p:nvSpPr>
+          <p:cNvPr id="2" name="Slide Image Placeholder 1"/>
+          <p:cNvSpPr>
+            <a:spLocks noGrp="1" noRot="1" noChangeAspect="1"/>
+          </p:cNvSpPr>
+          <p:nvPr>
+            <p:ph type="sldImg"/>
+          </p:nvPr>
+        </p:nvSpPr>
+        <p:spPr/>
+      </p:sp>
+      <p:sp>
+        <p:nvSpPr>
+          <p:cNvPr id="3" name="Notes Placeholder 2"/>
+          <p:cNvSpPr>
+            <a:spLocks noGrp="1"/>
+          </p:cNvSpPr>
+          <p:nvPr>
+            <p:ph type="body" idx="1"/>
+          </p:nvPr>
+        </p:nvSpPr>
+        <p:spPr/>
+        <p:txBody>
+          <a:bodyPr/>
+          <a:lstStyle/>
+          <a:p>
+            <a:endParaRPr lang="en-US"/>
+          </a:p>
+        </p:txBody>
+      </p:sp>
+      <p:sp>
+        <p:nvSpPr>
+          <p:cNvPr id="4" name="Slide Number Placeholder 3"/>
+          <p:cNvSpPr>
+            <a:spLocks noGrp="1"/>
+          </p:cNvSpPr>
+          <p:nvPr>
+            <p:ph type="sldNum" sz="quarter" idx="10"/>
+          </p:nvPr>
+        </p:nvSpPr>
+        <p:spPr/>
+        <p:txBody>
+          <a:bodyPr/>
+          <a:lstStyle/>
+          <a:p>
+            <a:fld id="{CF9E4B1E-A5B2-8C4B-9FE0-BA3D64DFF366}" type="slidenum">
+              <a:rPr lang="en-US" smtClean="0"/>
+              <a:t>7</a:t>
             </a:fld>
             <a:endParaRPr lang="en-US"/>
           </a:p>
@@ -1021,7 +1106,7 @@
           <a:p>
             <a:fld id="{B0469447-DA38-DD4C-A92E-82C14A48BF40}" type="datetimeFigureOut">
               <a:rPr lang="en-US" smtClean="0"/>
-              <a:t>10/1/18</a:t>
+              <a:t>10/3/18</a:t>
             </a:fld>
             <a:endParaRPr lang="en-US"/>
           </a:p>
@@ -1191,7 +1276,7 @@
           <a:p>
             <a:fld id="{B0469447-DA38-DD4C-A92E-82C14A48BF40}" type="datetimeFigureOut">
               <a:rPr lang="en-US" smtClean="0"/>
-              <a:t>10/1/18</a:t>
+              <a:t>10/3/18</a:t>
             </a:fld>
             <a:endParaRPr lang="en-US"/>
           </a:p>
@@ -1371,7 +1456,7 @@
           <a:p>
             <a:fld id="{B0469447-DA38-DD4C-A92E-82C14A48BF40}" type="datetimeFigureOut">
               <a:rPr lang="en-US" smtClean="0"/>
-              <a:t>10/1/18</a:t>
+              <a:t>10/3/18</a:t>
             </a:fld>
             <a:endParaRPr lang="en-US"/>
           </a:p>
@@ -1541,7 +1626,7 @@
           <a:p>
             <a:fld id="{B0469447-DA38-DD4C-A92E-82C14A48BF40}" type="datetimeFigureOut">
               <a:rPr lang="en-US" smtClean="0"/>
-              <a:t>10/1/18</a:t>
+              <a:t>10/3/18</a:t>
             </a:fld>
             <a:endParaRPr lang="en-US"/>
           </a:p>
@@ -1785,7 +1870,7 @@
           <a:p>
             <a:fld id="{B0469447-DA38-DD4C-A92E-82C14A48BF40}" type="datetimeFigureOut">
               <a:rPr lang="en-US" smtClean="0"/>
-              <a:t>10/1/18</a:t>
+              <a:t>10/3/18</a:t>
             </a:fld>
             <a:endParaRPr lang="en-US"/>
           </a:p>
@@ -2017,7 +2102,7 @@
           <a:p>
             <a:fld id="{B0469447-DA38-DD4C-A92E-82C14A48BF40}" type="datetimeFigureOut">
               <a:rPr lang="en-US" smtClean="0"/>
-              <a:t>10/1/18</a:t>
+              <a:t>10/3/18</a:t>
             </a:fld>
             <a:endParaRPr lang="en-US"/>
           </a:p>
@@ -2384,7 +2469,7 @@
           <a:p>
             <a:fld id="{B0469447-DA38-DD4C-A92E-82C14A48BF40}" type="datetimeFigureOut">
               <a:rPr lang="en-US" smtClean="0"/>
-              <a:t>10/1/18</a:t>
+              <a:t>10/3/18</a:t>
             </a:fld>
             <a:endParaRPr lang="en-US"/>
           </a:p>
@@ -2502,7 +2587,7 @@
           <a:p>
             <a:fld id="{B0469447-DA38-DD4C-A92E-82C14A48BF40}" type="datetimeFigureOut">
               <a:rPr lang="en-US" smtClean="0"/>
-              <a:t>10/1/18</a:t>
+              <a:t>10/3/18</a:t>
             </a:fld>
             <a:endParaRPr lang="en-US"/>
           </a:p>
@@ -2597,7 +2682,7 @@
           <a:p>
             <a:fld id="{B0469447-DA38-DD4C-A92E-82C14A48BF40}" type="datetimeFigureOut">
               <a:rPr lang="en-US" smtClean="0"/>
-              <a:t>10/1/18</a:t>
+              <a:t>10/3/18</a:t>
             </a:fld>
             <a:endParaRPr lang="en-US"/>
           </a:p>
@@ -2874,7 +2959,7 @@
           <a:p>
             <a:fld id="{B0469447-DA38-DD4C-A92E-82C14A48BF40}" type="datetimeFigureOut">
               <a:rPr lang="en-US" smtClean="0"/>
-              <a:t>10/1/18</a:t>
+              <a:t>10/3/18</a:t>
             </a:fld>
             <a:endParaRPr lang="en-US"/>
           </a:p>
@@ -3131,7 +3216,7 @@
           <a:p>
             <a:fld id="{B0469447-DA38-DD4C-A92E-82C14A48BF40}" type="datetimeFigureOut">
               <a:rPr lang="en-US" smtClean="0"/>
-              <a:t>10/1/18</a:t>
+              <a:t>10/3/18</a:t>
             </a:fld>
             <a:endParaRPr lang="en-US"/>
           </a:p>
@@ -3344,7 +3429,7 @@
           <a:p>
             <a:fld id="{B0469447-DA38-DD4C-A92E-82C14A48BF40}" type="datetimeFigureOut">
               <a:rPr lang="en-US" smtClean="0"/>
-              <a:t>10/1/18</a:t>
+              <a:t>10/3/18</a:t>
             </a:fld>
             <a:endParaRPr lang="en-US"/>
           </a:p>
@@ -3773,11 +3858,7 @@
           <a:p>
             <a:r>
               <a:rPr lang="en-US" sz="3500" dirty="0" smtClean="0"/>
-              <a:t>Rashedul </a:t>
-            </a:r>
-            <a:r>
-              <a:rPr lang="en-US" sz="3500" dirty="0" smtClean="0"/>
-              <a:t>Islam</a:t>
+              <a:t>Rashedul Islam</a:t>
             </a:r>
           </a:p>
           <a:p>
@@ -4331,18 +4412,7 @@
                 <a:ea typeface="Times New Roman" charset="0"/>
                 <a:cs typeface="Times New Roman" charset="0"/>
               </a:rPr>
-              <a:t>- data </a:t>
-            </a:r>
-            <a:r>
-              <a:rPr lang="en-US" sz="2800" dirty="0" smtClean="0">
-                <a:solidFill>
-                  <a:srgbClr val="353535"/>
-                </a:solidFill>
-                <a:latin typeface="Times New Roman" charset="0"/>
-                <a:ea typeface="Times New Roman" charset="0"/>
-                <a:cs typeface="Times New Roman" charset="0"/>
-              </a:rPr>
-              <a:t>analysis: </a:t>
+              <a:t>- data analysis: </a:t>
             </a:r>
             <a:r>
               <a:rPr lang="en-US" sz="2800" dirty="0">
@@ -4580,6 +4650,153 @@
 </file>
 
 <file path=ppt/slides/slide4.xml><?xml version="1.0" encoding="utf-8"?>
+<p:sld xmlns:a="http://schemas.openxmlformats.org/drawingml/2006/main" xmlns:r="http://schemas.openxmlformats.org/officeDocument/2006/relationships" xmlns:p="http://schemas.openxmlformats.org/presentationml/2006/main">
+  <p:cSld>
+    <p:spTree>
+      <p:nvGrpSpPr>
+        <p:cNvPr id="1" name=""/>
+        <p:cNvGrpSpPr/>
+        <p:nvPr/>
+      </p:nvGrpSpPr>
+      <p:grpSpPr>
+        <a:xfrm>
+          <a:off x="0" y="0"/>
+          <a:ext cx="0" cy="0"/>
+          <a:chOff x="0" y="0"/>
+          <a:chExt cx="0" cy="0"/>
+        </a:xfrm>
+      </p:grpSpPr>
+      <p:sp>
+        <p:nvSpPr>
+          <p:cNvPr id="5" name="TextBox 4"/>
+          <p:cNvSpPr txBox="1"/>
+          <p:nvPr/>
+        </p:nvSpPr>
+        <p:spPr>
+          <a:xfrm>
+            <a:off x="6026109" y="6453052"/>
+            <a:ext cx="1816010" cy="276999"/>
+          </a:xfrm>
+          <a:prstGeom prst="rect">
+            <a:avLst/>
+          </a:prstGeom>
+          <a:noFill/>
+        </p:spPr>
+        <p:txBody>
+          <a:bodyPr wrap="none" rtlCol="0">
+            <a:spAutoFit/>
+          </a:bodyPr>
+          <a:lstStyle/>
+          <a:p>
+            <a:r>
+              <a:rPr lang="en-US" sz="1200" dirty="0" smtClean="0"/>
+              <a:t>Source</a:t>
+            </a:r>
+            <a:r>
+              <a:rPr lang="en-US" sz="1200"/>
+              <a:t>: </a:t>
+            </a:r>
+            <a:r>
+              <a:rPr lang="en-US" sz="1200"/>
+              <a:t>R for </a:t>
+            </a:r>
+            <a:r>
+              <a:rPr lang="en-US" sz="1200"/>
+              <a:t>Data </a:t>
+            </a:r>
+            <a:r>
+              <a:rPr lang="en-US" sz="1200" smtClean="0"/>
+              <a:t>Science</a:t>
+            </a:r>
+            <a:endParaRPr lang="en-US" sz="1200"/>
+          </a:p>
+        </p:txBody>
+      </p:sp>
+      <p:sp>
+        <p:nvSpPr>
+          <p:cNvPr id="6" name="TextBox 5"/>
+          <p:cNvSpPr txBox="1"/>
+          <p:nvPr/>
+        </p:nvSpPr>
+        <p:spPr>
+          <a:xfrm>
+            <a:off x="2106455" y="406690"/>
+            <a:ext cx="5024004" cy="584775"/>
+          </a:xfrm>
+          <a:prstGeom prst="rect">
+            <a:avLst/>
+          </a:prstGeom>
+          <a:noFill/>
+        </p:spPr>
+        <p:txBody>
+          <a:bodyPr wrap="none" rtlCol="0">
+            <a:spAutoFit/>
+          </a:bodyPr>
+          <a:lstStyle/>
+          <a:p>
+            <a:r>
+              <a:rPr lang="en-US" sz="3200" dirty="0" smtClean="0"/>
+              <a:t>Relational </a:t>
+            </a:r>
+            <a:r>
+              <a:rPr lang="en-US" sz="3200" dirty="0"/>
+              <a:t>data (nycflights13)</a:t>
+            </a:r>
+            <a:endParaRPr lang="en-US" sz="3200" dirty="0"/>
+          </a:p>
+        </p:txBody>
+      </p:sp>
+      <p:pic>
+        <p:nvPicPr>
+          <p:cNvPr id="2" name="Picture 1"/>
+          <p:cNvPicPr>
+            <a:picLocks noChangeAspect="1"/>
+          </p:cNvPicPr>
+          <p:nvPr/>
+        </p:nvPicPr>
+        <p:blipFill>
+          <a:blip r:embed="rId3">
+            <a:extLst>
+              <a:ext uri="{28A0092B-C50C-407E-A947-70E740481C1C}">
+                <a14:useLocalDpi xmlns:a14="http://schemas.microsoft.com/office/drawing/2010/main" val="0"/>
+              </a:ext>
+            </a:extLst>
+          </a:blip>
+          <a:stretch>
+            <a:fillRect/>
+          </a:stretch>
+        </p:blipFill>
+        <p:spPr>
+          <a:xfrm>
+            <a:off x="619432" y="1126581"/>
+            <a:ext cx="7998050" cy="5056239"/>
+          </a:xfrm>
+          <a:prstGeom prst="rect">
+            <a:avLst/>
+          </a:prstGeom>
+        </p:spPr>
+      </p:pic>
+    </p:spTree>
+    <p:extLst>
+      <p:ext uri="{BB962C8B-B14F-4D97-AF65-F5344CB8AC3E}">
+        <p14:creationId xmlns:p14="http://schemas.microsoft.com/office/powerpoint/2010/main" val="354143199"/>
+      </p:ext>
+    </p:extLst>
+  </p:cSld>
+  <p:clrMapOvr>
+    <a:masterClrMapping/>
+  </p:clrMapOvr>
+  <p:timing>
+    <p:tnLst>
+      <p:par>
+        <p:cTn id="1" dur="indefinite" restart="never" nodeType="tmRoot"/>
+      </p:par>
+    </p:tnLst>
+  </p:timing>
+</p:sld>
+</file>
+
+<file path=ppt/slides/slide5.xml><?xml version="1.0" encoding="utf-8"?>
 <p:sld xmlns:a="http://schemas.openxmlformats.org/drawingml/2006/main" xmlns:r="http://schemas.openxmlformats.org/officeDocument/2006/relationships" xmlns:p="http://schemas.openxmlformats.org/presentationml/2006/main">
   <p:cSld>
     <p:spTree>
@@ -4766,7 +4983,7 @@
 </p:sld>
 </file>
 
-<file path=ppt/slides/slide5.xml><?xml version="1.0" encoding="utf-8"?>
+<file path=ppt/slides/slide6.xml><?xml version="1.0" encoding="utf-8"?>
 <p:sld xmlns:a="http://schemas.openxmlformats.org/drawingml/2006/main" xmlns:r="http://schemas.openxmlformats.org/officeDocument/2006/relationships" xmlns:p="http://schemas.openxmlformats.org/presentationml/2006/main">
   <p:cSld>
     <p:spTree>
@@ -4909,7 +5126,7 @@
 </p:sld>
 </file>
 
-<file path=ppt/slides/slide6.xml><?xml version="1.0" encoding="utf-8"?>
+<file path=ppt/slides/slide7.xml><?xml version="1.0" encoding="utf-8"?>
 <p:sld xmlns:a="http://schemas.openxmlformats.org/drawingml/2006/main" xmlns:r="http://schemas.openxmlformats.org/officeDocument/2006/relationships" xmlns:p="http://schemas.openxmlformats.org/presentationml/2006/main">
   <p:cSld>
     <p:spTree>

--- a/cm010_slides.pptx
+++ b/cm010_slides.pptx
@@ -10,8 +10,8 @@
   <p:sldIdLst>
     <p:sldId id="256" r:id="rId2"/>
     <p:sldId id="261" r:id="rId3"/>
-    <p:sldId id="257" r:id="rId4"/>
-    <p:sldId id="262" r:id="rId5"/>
+    <p:sldId id="262" r:id="rId4"/>
+    <p:sldId id="257" r:id="rId5"/>
     <p:sldId id="258" r:id="rId6"/>
     <p:sldId id="259" r:id="rId7"/>
     <p:sldId id="260" r:id="rId8"/>
@@ -629,7 +629,7 @@
     </p:spTree>
     <p:extLst>
       <p:ext uri="{BB962C8B-B14F-4D97-AF65-F5344CB8AC3E}">
-        <p14:creationId xmlns:p14="http://schemas.microsoft.com/office/powerpoint/2010/main" val="705510340"/>
+        <p14:creationId xmlns:p14="http://schemas.microsoft.com/office/powerpoint/2010/main" val="1407559756"/>
       </p:ext>
     </p:extLst>
   </p:cSld>
@@ -713,7 +713,7 @@
     </p:spTree>
     <p:extLst>
       <p:ext uri="{BB962C8B-B14F-4D97-AF65-F5344CB8AC3E}">
-        <p14:creationId xmlns:p14="http://schemas.microsoft.com/office/powerpoint/2010/main" val="1407559756"/>
+        <p14:creationId xmlns:p14="http://schemas.microsoft.com/office/powerpoint/2010/main" val="705510340"/>
       </p:ext>
     </p:extLst>
   </p:cSld>
@@ -4486,6 +4486,93 @@
           </a:p>
         </p:txBody>
       </p:sp>
+      <p:sp>
+        <p:nvSpPr>
+          <p:cNvPr id="3" name="Oval 2"/>
+          <p:cNvSpPr/>
+          <p:nvPr/>
+        </p:nvSpPr>
+        <p:spPr>
+          <a:xfrm>
+            <a:off x="5371973" y="2121433"/>
+            <a:ext cx="365149" cy="358173"/>
+          </a:xfrm>
+          <a:prstGeom prst="ellipse">
+            <a:avLst/>
+          </a:prstGeom>
+        </p:spPr>
+        <p:style>
+          <a:lnRef idx="2">
+            <a:schemeClr val="accent1">
+              <a:shade val="50000"/>
+            </a:schemeClr>
+          </a:lnRef>
+          <a:fillRef idx="1">
+            <a:schemeClr val="accent1"/>
+          </a:fillRef>
+          <a:effectRef idx="0">
+            <a:schemeClr val="accent1"/>
+          </a:effectRef>
+          <a:fontRef idx="minor">
+            <a:schemeClr val="lt1"/>
+          </a:fontRef>
+        </p:style>
+        <p:txBody>
+          <a:bodyPr rtlCol="0" anchor="ctr"/>
+          <a:lstStyle/>
+          <a:p>
+            <a:pPr algn="ctr"/>
+            <a:r>
+              <a:rPr lang="en-US" smtClean="0"/>
+              <a:t>1</a:t>
+            </a:r>
+            <a:endParaRPr lang="en-US"/>
+          </a:p>
+        </p:txBody>
+      </p:sp>
+      <p:sp>
+        <p:nvSpPr>
+          <p:cNvPr id="12" name="Oval 11"/>
+          <p:cNvSpPr/>
+          <p:nvPr/>
+        </p:nvSpPr>
+        <p:spPr>
+          <a:xfrm>
+            <a:off x="6005494" y="3002209"/>
+            <a:ext cx="365149" cy="358173"/>
+          </a:xfrm>
+          <a:prstGeom prst="ellipse">
+            <a:avLst/>
+          </a:prstGeom>
+        </p:spPr>
+        <p:style>
+          <a:lnRef idx="2">
+            <a:schemeClr val="accent1">
+              <a:shade val="50000"/>
+            </a:schemeClr>
+          </a:lnRef>
+          <a:fillRef idx="1">
+            <a:schemeClr val="accent1"/>
+          </a:fillRef>
+          <a:effectRef idx="0">
+            <a:schemeClr val="accent1"/>
+          </a:effectRef>
+          <a:fontRef idx="minor">
+            <a:schemeClr val="lt1"/>
+          </a:fontRef>
+        </p:style>
+        <p:txBody>
+          <a:bodyPr rtlCol="0" anchor="ctr"/>
+          <a:lstStyle/>
+          <a:p>
+            <a:pPr algn="ctr"/>
+            <a:r>
+              <a:rPr lang="en-US" dirty="0"/>
+              <a:t>2</a:t>
+            </a:r>
+          </a:p>
+        </p:txBody>
+      </p:sp>
     </p:spTree>
     <p:extLst>
       <p:ext uri="{BB962C8B-B14F-4D97-AF65-F5344CB8AC3E}">
@@ -4507,6 +4594,169 @@
 </file>
 
 <file path=ppt/slides/slide3.xml><?xml version="1.0" encoding="utf-8"?>
+<p:sld xmlns:a="http://schemas.openxmlformats.org/drawingml/2006/main" xmlns:r="http://schemas.openxmlformats.org/officeDocument/2006/relationships" xmlns:p="http://schemas.openxmlformats.org/presentationml/2006/main">
+  <p:cSld>
+    <p:spTree>
+      <p:nvGrpSpPr>
+        <p:cNvPr id="1" name=""/>
+        <p:cNvGrpSpPr/>
+        <p:nvPr/>
+      </p:nvGrpSpPr>
+      <p:grpSpPr>
+        <a:xfrm>
+          <a:off x="0" y="0"/>
+          <a:ext cx="0" cy="0"/>
+          <a:chOff x="0" y="0"/>
+          <a:chExt cx="0" cy="0"/>
+        </a:xfrm>
+      </p:grpSpPr>
+      <p:sp>
+        <p:nvSpPr>
+          <p:cNvPr id="5" name="TextBox 4"/>
+          <p:cNvSpPr txBox="1"/>
+          <p:nvPr/>
+        </p:nvSpPr>
+        <p:spPr>
+          <a:xfrm>
+            <a:off x="6026109" y="6453052"/>
+            <a:ext cx="1816010" cy="276999"/>
+          </a:xfrm>
+          <a:prstGeom prst="rect">
+            <a:avLst/>
+          </a:prstGeom>
+          <a:noFill/>
+        </p:spPr>
+        <p:txBody>
+          <a:bodyPr wrap="none" rtlCol="0">
+            <a:spAutoFit/>
+          </a:bodyPr>
+          <a:lstStyle/>
+          <a:p>
+            <a:r>
+              <a:rPr lang="en-US" sz="1200" dirty="0" smtClean="0"/>
+              <a:t>Source</a:t>
+            </a:r>
+            <a:r>
+              <a:rPr lang="en-US" sz="1200" dirty="0"/>
+              <a:t>: </a:t>
+            </a:r>
+            <a:r>
+              <a:rPr lang="en-US" sz="1200" dirty="0"/>
+              <a:t>R for Data </a:t>
+            </a:r>
+            <a:r>
+              <a:rPr lang="en-US" sz="1200" dirty="0" smtClean="0"/>
+              <a:t>Science</a:t>
+            </a:r>
+            <a:endParaRPr lang="en-US" sz="1200" dirty="0"/>
+          </a:p>
+        </p:txBody>
+      </p:sp>
+      <p:sp>
+        <p:nvSpPr>
+          <p:cNvPr id="6" name="TextBox 5"/>
+          <p:cNvSpPr txBox="1"/>
+          <p:nvPr/>
+        </p:nvSpPr>
+        <p:spPr>
+          <a:xfrm>
+            <a:off x="1823650" y="406690"/>
+            <a:ext cx="6079806" cy="584775"/>
+          </a:xfrm>
+          <a:prstGeom prst="rect">
+            <a:avLst/>
+          </a:prstGeom>
+          <a:noFill/>
+        </p:spPr>
+        <p:txBody>
+          <a:bodyPr wrap="none" rtlCol="0">
+            <a:spAutoFit/>
+          </a:bodyPr>
+          <a:lstStyle/>
+          <a:p>
+            <a:r>
+              <a:rPr lang="en-US" sz="3200" dirty="0" smtClean="0"/>
+              <a:t>Relational </a:t>
+            </a:r>
+            <a:r>
+              <a:rPr lang="en-US" sz="3200" dirty="0"/>
+              <a:t>data </a:t>
+            </a:r>
+            <a:r>
+              <a:rPr lang="en-US" sz="3200" dirty="0" smtClean="0"/>
+              <a:t>(</a:t>
+            </a:r>
+            <a:r>
+              <a:rPr lang="en-US" sz="3200" err="1" smtClean="0"/>
+              <a:t>e.g</a:t>
+            </a:r>
+            <a:r>
+              <a:rPr lang="en-US" sz="3200" smtClean="0"/>
+              <a:t>., `</a:t>
+            </a:r>
+            <a:r>
+              <a:rPr lang="en-US" sz="3200" i="1" smtClean="0"/>
+              <a:t>nycflights13`</a:t>
+            </a:r>
+            <a:r>
+              <a:rPr lang="en-US" sz="3200" smtClean="0"/>
+              <a:t>)</a:t>
+            </a:r>
+            <a:endParaRPr lang="en-US" sz="3200" dirty="0"/>
+          </a:p>
+        </p:txBody>
+      </p:sp>
+      <p:pic>
+        <p:nvPicPr>
+          <p:cNvPr id="2" name="Picture 1"/>
+          <p:cNvPicPr>
+            <a:picLocks noChangeAspect="1"/>
+          </p:cNvPicPr>
+          <p:nvPr/>
+        </p:nvPicPr>
+        <p:blipFill>
+          <a:blip r:embed="rId3">
+            <a:extLst>
+              <a:ext uri="{28A0092B-C50C-407E-A947-70E740481C1C}">
+                <a14:useLocalDpi xmlns:a14="http://schemas.microsoft.com/office/drawing/2010/main" val="0"/>
+              </a:ext>
+            </a:extLst>
+          </a:blip>
+          <a:stretch>
+            <a:fillRect/>
+          </a:stretch>
+        </p:blipFill>
+        <p:spPr>
+          <a:xfrm>
+            <a:off x="619432" y="1126581"/>
+            <a:ext cx="7998050" cy="5056239"/>
+          </a:xfrm>
+          <a:prstGeom prst="rect">
+            <a:avLst/>
+          </a:prstGeom>
+        </p:spPr>
+      </p:pic>
+    </p:spTree>
+    <p:extLst>
+      <p:ext uri="{BB962C8B-B14F-4D97-AF65-F5344CB8AC3E}">
+        <p14:creationId xmlns:p14="http://schemas.microsoft.com/office/powerpoint/2010/main" val="354143199"/>
+      </p:ext>
+    </p:extLst>
+  </p:cSld>
+  <p:clrMapOvr>
+    <a:masterClrMapping/>
+  </p:clrMapOvr>
+  <p:timing>
+    <p:tnLst>
+      <p:par>
+        <p:cTn id="1" dur="indefinite" restart="never" nodeType="tmRoot"/>
+      </p:par>
+    </p:tnLst>
+  </p:timing>
+</p:sld>
+</file>
+
+<file path=ppt/slides/slide4.xml><?xml version="1.0" encoding="utf-8"?>
 <p:sld xmlns:a="http://schemas.openxmlformats.org/drawingml/2006/main" xmlns:r="http://schemas.openxmlformats.org/officeDocument/2006/relationships" xmlns:p="http://schemas.openxmlformats.org/presentationml/2006/main">
   <p:cSld>
     <p:spTree>
@@ -4633,153 +4883,6 @@
     <p:extLst>
       <p:ext uri="{BB962C8B-B14F-4D97-AF65-F5344CB8AC3E}">
         <p14:creationId xmlns:p14="http://schemas.microsoft.com/office/powerpoint/2010/main" val="1304606030"/>
-      </p:ext>
-    </p:extLst>
-  </p:cSld>
-  <p:clrMapOvr>
-    <a:masterClrMapping/>
-  </p:clrMapOvr>
-  <p:timing>
-    <p:tnLst>
-      <p:par>
-        <p:cTn id="1" dur="indefinite" restart="never" nodeType="tmRoot"/>
-      </p:par>
-    </p:tnLst>
-  </p:timing>
-</p:sld>
-</file>
-
-<file path=ppt/slides/slide4.xml><?xml version="1.0" encoding="utf-8"?>
-<p:sld xmlns:a="http://schemas.openxmlformats.org/drawingml/2006/main" xmlns:r="http://schemas.openxmlformats.org/officeDocument/2006/relationships" xmlns:p="http://schemas.openxmlformats.org/presentationml/2006/main">
-  <p:cSld>
-    <p:spTree>
-      <p:nvGrpSpPr>
-        <p:cNvPr id="1" name=""/>
-        <p:cNvGrpSpPr/>
-        <p:nvPr/>
-      </p:nvGrpSpPr>
-      <p:grpSpPr>
-        <a:xfrm>
-          <a:off x="0" y="0"/>
-          <a:ext cx="0" cy="0"/>
-          <a:chOff x="0" y="0"/>
-          <a:chExt cx="0" cy="0"/>
-        </a:xfrm>
-      </p:grpSpPr>
-      <p:sp>
-        <p:nvSpPr>
-          <p:cNvPr id="5" name="TextBox 4"/>
-          <p:cNvSpPr txBox="1"/>
-          <p:nvPr/>
-        </p:nvSpPr>
-        <p:spPr>
-          <a:xfrm>
-            <a:off x="6026109" y="6453052"/>
-            <a:ext cx="1816010" cy="276999"/>
-          </a:xfrm>
-          <a:prstGeom prst="rect">
-            <a:avLst/>
-          </a:prstGeom>
-          <a:noFill/>
-        </p:spPr>
-        <p:txBody>
-          <a:bodyPr wrap="none" rtlCol="0">
-            <a:spAutoFit/>
-          </a:bodyPr>
-          <a:lstStyle/>
-          <a:p>
-            <a:r>
-              <a:rPr lang="en-US" sz="1200" dirty="0" smtClean="0"/>
-              <a:t>Source</a:t>
-            </a:r>
-            <a:r>
-              <a:rPr lang="en-US" sz="1200"/>
-              <a:t>: </a:t>
-            </a:r>
-            <a:r>
-              <a:rPr lang="en-US" sz="1200"/>
-              <a:t>R for </a:t>
-            </a:r>
-            <a:r>
-              <a:rPr lang="en-US" sz="1200"/>
-              <a:t>Data </a:t>
-            </a:r>
-            <a:r>
-              <a:rPr lang="en-US" sz="1200" smtClean="0"/>
-              <a:t>Science</a:t>
-            </a:r>
-            <a:endParaRPr lang="en-US" sz="1200"/>
-          </a:p>
-        </p:txBody>
-      </p:sp>
-      <p:sp>
-        <p:nvSpPr>
-          <p:cNvPr id="6" name="TextBox 5"/>
-          <p:cNvSpPr txBox="1"/>
-          <p:nvPr/>
-        </p:nvSpPr>
-        <p:spPr>
-          <a:xfrm>
-            <a:off x="2106455" y="406690"/>
-            <a:ext cx="5024004" cy="584775"/>
-          </a:xfrm>
-          <a:prstGeom prst="rect">
-            <a:avLst/>
-          </a:prstGeom>
-          <a:noFill/>
-        </p:spPr>
-        <p:txBody>
-          <a:bodyPr wrap="none" rtlCol="0">
-            <a:spAutoFit/>
-          </a:bodyPr>
-          <a:lstStyle/>
-          <a:p>
-            <a:r>
-              <a:rPr lang="en-US" sz="3200" dirty="0" smtClean="0"/>
-              <a:t>Relational </a:t>
-            </a:r>
-            <a:r>
-              <a:rPr lang="en-US" sz="3200" dirty="0"/>
-              <a:t>data (nycflights13)</a:t>
-            </a:r>
-            <a:endParaRPr lang="en-US" sz="3200" dirty="0"/>
-          </a:p>
-        </p:txBody>
-      </p:sp>
-      <p:pic>
-        <p:nvPicPr>
-          <p:cNvPr id="2" name="Picture 1"/>
-          <p:cNvPicPr>
-            <a:picLocks noChangeAspect="1"/>
-          </p:cNvPicPr>
-          <p:nvPr/>
-        </p:nvPicPr>
-        <p:blipFill>
-          <a:blip r:embed="rId3">
-            <a:extLst>
-              <a:ext uri="{28A0092B-C50C-407E-A947-70E740481C1C}">
-                <a14:useLocalDpi xmlns:a14="http://schemas.microsoft.com/office/drawing/2010/main" val="0"/>
-              </a:ext>
-            </a:extLst>
-          </a:blip>
-          <a:stretch>
-            <a:fillRect/>
-          </a:stretch>
-        </p:blipFill>
-        <p:spPr>
-          <a:xfrm>
-            <a:off x="619432" y="1126581"/>
-            <a:ext cx="7998050" cy="5056239"/>
-          </a:xfrm>
-          <a:prstGeom prst="rect">
-            <a:avLst/>
-          </a:prstGeom>
-        </p:spPr>
-      </p:pic>
-    </p:spTree>
-    <p:extLst>
-      <p:ext uri="{BB962C8B-B14F-4D97-AF65-F5344CB8AC3E}">
-        <p14:creationId xmlns:p14="http://schemas.microsoft.com/office/powerpoint/2010/main" val="354143199"/>
       </p:ext>
     </p:extLst>
   </p:cSld>
